--- a/papers/data presentation.pptx
+++ b/papers/data presentation.pptx
@@ -8,6 +8,7 @@
     <p:sldId id="256" r:id="rId2"/>
     <p:sldId id="257" r:id="rId3"/>
     <p:sldId id="258" r:id="rId4"/>
+    <p:sldId id="259" r:id="rId5"/>
   </p:sldIdLst>
   <p:sldSz cx="12192000" cy="6858000"/>
   <p:notesSz cx="6858000" cy="9144000"/>
@@ -106,6 +107,11 @@
       </a:defRPr>
     </a:lvl9pPr>
   </p:defaultTextStyle>
+  <p:extLst>
+    <p:ext uri="{EFAFB233-063F-42B5-8137-9DF3F51BA10A}">
+      <p15:sldGuideLst xmlns:p15="http://schemas.microsoft.com/office/powerpoint/2012/main"/>
+    </p:ext>
+  </p:extLst>
 </p:presentation>
 </file>
 
@@ -3878,7 +3884,21 @@
                 <a:latin typeface="Times New Roman" panose="02020603050405020304" pitchFamily="18" charset="0"/>
                 <a:cs typeface="Times New Roman" panose="02020603050405020304" pitchFamily="18" charset="0"/>
               </a:rPr>
-              <a:t>23 signals </a:t>
+              <a:t>23 </a:t>
+            </a:r>
+            <a:r>
+              <a:rPr lang="da-DK" sz="2400" b="1" dirty="0" err="1">
+                <a:latin typeface="Times New Roman" panose="02020603050405020304" pitchFamily="18" charset="0"/>
+                <a:cs typeface="Times New Roman" panose="02020603050405020304" pitchFamily="18" charset="0"/>
+              </a:rPr>
+              <a:t>channels</a:t>
+            </a:r>
+            <a:r>
+              <a:rPr lang="da-DK" sz="2400" b="1" dirty="0">
+                <a:latin typeface="Times New Roman" panose="02020603050405020304" pitchFamily="18" charset="0"/>
+                <a:cs typeface="Times New Roman" panose="02020603050405020304" pitchFamily="18" charset="0"/>
+              </a:rPr>
+              <a:t> </a:t>
             </a:r>
             <a:r>
               <a:rPr lang="da-DK" sz="2400" dirty="0">
@@ -4251,103 +4271,103 @@
           </a:lstStyle>
           <a:p>
             <a:r>
-              <a:rPr lang="da-DK" sz="2400" b="1" dirty="0">
+              <a:rPr lang="da-DK" sz="2000" b="1" dirty="0">
                 <a:latin typeface="Times New Roman" panose="02020603050405020304" pitchFamily="18" charset="0"/>
                 <a:cs typeface="Times New Roman" panose="02020603050405020304" pitchFamily="18" charset="0"/>
               </a:rPr>
               <a:t>198 </a:t>
             </a:r>
             <a:r>
-              <a:rPr lang="da-DK" sz="2400" b="1" dirty="0" err="1">
+              <a:rPr lang="da-DK" sz="2000" b="1" dirty="0" err="1">
                 <a:latin typeface="Times New Roman" panose="02020603050405020304" pitchFamily="18" charset="0"/>
                 <a:cs typeface="Times New Roman" panose="02020603050405020304" pitchFamily="18" charset="0"/>
               </a:rPr>
               <a:t>clinical</a:t>
             </a:r>
             <a:r>
-              <a:rPr lang="da-DK" sz="2400" b="1" dirty="0">
+              <a:rPr lang="da-DK" sz="2000" b="1" dirty="0">
                 <a:latin typeface="Times New Roman" panose="02020603050405020304" pitchFamily="18" charset="0"/>
                 <a:cs typeface="Times New Roman" panose="02020603050405020304" pitchFamily="18" charset="0"/>
               </a:rPr>
               <a:t> </a:t>
             </a:r>
             <a:r>
-              <a:rPr lang="da-DK" sz="2400" b="1" dirty="0" err="1">
+              <a:rPr lang="da-DK" sz="2000" b="1" dirty="0" err="1">
                 <a:latin typeface="Times New Roman" panose="02020603050405020304" pitchFamily="18" charset="0"/>
                 <a:cs typeface="Times New Roman" panose="02020603050405020304" pitchFamily="18" charset="0"/>
               </a:rPr>
               <a:t>seizures</a:t>
             </a:r>
             <a:r>
-              <a:rPr lang="da-DK" sz="2400" b="1" dirty="0">
+              <a:rPr lang="da-DK" sz="2000" b="1" dirty="0">
                 <a:latin typeface="Times New Roman" panose="02020603050405020304" pitchFamily="18" charset="0"/>
                 <a:cs typeface="Times New Roman" panose="02020603050405020304" pitchFamily="18" charset="0"/>
               </a:rPr>
               <a:t> </a:t>
             </a:r>
             <a:r>
-              <a:rPr lang="da-DK" sz="2400" dirty="0" err="1">
+              <a:rPr lang="da-DK" sz="2000" dirty="0" err="1">
                 <a:latin typeface="Times New Roman" panose="02020603050405020304" pitchFamily="18" charset="0"/>
                 <a:cs typeface="Times New Roman" panose="02020603050405020304" pitchFamily="18" charset="0"/>
               </a:rPr>
               <a:t>annotated</a:t>
             </a:r>
             <a:r>
-              <a:rPr lang="da-DK" sz="2400" dirty="0">
+              <a:rPr lang="da-DK" sz="2000" dirty="0">
                 <a:latin typeface="Times New Roman" panose="02020603050405020304" pitchFamily="18" charset="0"/>
                 <a:cs typeface="Times New Roman" panose="02020603050405020304" pitchFamily="18" charset="0"/>
               </a:rPr>
               <a:t> by </a:t>
             </a:r>
             <a:r>
-              <a:rPr lang="da-DK" sz="2400" dirty="0" err="1">
+              <a:rPr lang="da-DK" sz="2000" dirty="0" err="1">
                 <a:latin typeface="Times New Roman" panose="02020603050405020304" pitchFamily="18" charset="0"/>
                 <a:cs typeface="Times New Roman" panose="02020603050405020304" pitchFamily="18" charset="0"/>
               </a:rPr>
               <a:t>experts</a:t>
             </a:r>
-            <a:endParaRPr lang="da-DK" sz="2400" dirty="0">
+            <a:endParaRPr lang="da-DK" sz="2000" dirty="0">
               <a:latin typeface="Times New Roman" panose="02020603050405020304" pitchFamily="18" charset="0"/>
               <a:cs typeface="Times New Roman" panose="02020603050405020304" pitchFamily="18" charset="0"/>
             </a:endParaRPr>
           </a:p>
           <a:p>
-            <a:endParaRPr lang="da-DK" sz="2400" b="1" dirty="0">
+            <a:endParaRPr lang="da-DK" sz="2000" b="1" dirty="0">
               <a:latin typeface="Times New Roman" panose="02020603050405020304" pitchFamily="18" charset="0"/>
               <a:cs typeface="Times New Roman" panose="02020603050405020304" pitchFamily="18" charset="0"/>
             </a:endParaRPr>
           </a:p>
           <a:p>
             <a:r>
-              <a:rPr lang="da-DK" sz="2400" dirty="0">
+              <a:rPr lang="da-DK" sz="2000" dirty="0">
                 <a:latin typeface="Times New Roman" panose="02020603050405020304" pitchFamily="18" charset="0"/>
                 <a:cs typeface="Times New Roman" panose="02020603050405020304" pitchFamily="18" charset="0"/>
               </a:rPr>
               <a:t>Annotations </a:t>
             </a:r>
             <a:r>
-              <a:rPr lang="da-DK" sz="2400" dirty="0" err="1">
+              <a:rPr lang="da-DK" sz="2000" dirty="0" err="1">
                 <a:latin typeface="Times New Roman" panose="02020603050405020304" pitchFamily="18" charset="0"/>
                 <a:cs typeface="Times New Roman" panose="02020603050405020304" pitchFamily="18" charset="0"/>
               </a:rPr>
               <a:t>include</a:t>
             </a:r>
             <a:r>
-              <a:rPr lang="da-DK" sz="2400" dirty="0">
+              <a:rPr lang="da-DK" sz="2000" dirty="0">
                 <a:latin typeface="Times New Roman" panose="02020603050405020304" pitchFamily="18" charset="0"/>
                 <a:cs typeface="Times New Roman" panose="02020603050405020304" pitchFamily="18" charset="0"/>
               </a:rPr>
               <a:t> </a:t>
             </a:r>
             <a:r>
-              <a:rPr lang="da-DK" sz="2400" b="1" dirty="0" err="1">
+              <a:rPr lang="da-DK" sz="2000" b="1" dirty="0" err="1">
                 <a:latin typeface="Times New Roman" panose="02020603050405020304" pitchFamily="18" charset="0"/>
                 <a:cs typeface="Times New Roman" panose="02020603050405020304" pitchFamily="18" charset="0"/>
               </a:rPr>
               <a:t>seizure</a:t>
             </a:r>
             <a:r>
-              <a:rPr lang="da-DK" sz="2400" b="1" dirty="0">
+              <a:rPr lang="da-DK" sz="2000" b="1" dirty="0">
                 <a:latin typeface="Times New Roman" panose="02020603050405020304" pitchFamily="18" charset="0"/>
                 <a:cs typeface="Times New Roman" panose="02020603050405020304" pitchFamily="18" charset="0"/>
               </a:rPr>
@@ -4355,91 +4375,91 @@
             </a:r>
           </a:p>
           <a:p>
-            <a:endParaRPr lang="da-DK" sz="2400" b="1" dirty="0">
+            <a:endParaRPr lang="da-DK" sz="2000" b="1" dirty="0">
               <a:latin typeface="Times New Roman" panose="02020603050405020304" pitchFamily="18" charset="0"/>
               <a:cs typeface="Times New Roman" panose="02020603050405020304" pitchFamily="18" charset="0"/>
             </a:endParaRPr>
           </a:p>
           <a:p>
             <a:r>
-              <a:rPr lang="da-DK" sz="2400" dirty="0" err="1">
+              <a:rPr lang="da-DK" sz="2000" dirty="0" err="1">
                 <a:latin typeface="Times New Roman" panose="02020603050405020304" pitchFamily="18" charset="0"/>
                 <a:cs typeface="Times New Roman" panose="02020603050405020304" pitchFamily="18" charset="0"/>
               </a:rPr>
               <a:t>Seizure</a:t>
             </a:r>
             <a:r>
-              <a:rPr lang="da-DK" sz="2400" dirty="0">
+              <a:rPr lang="da-DK" sz="2000" dirty="0">
                 <a:latin typeface="Times New Roman" panose="02020603050405020304" pitchFamily="18" charset="0"/>
                 <a:cs typeface="Times New Roman" panose="02020603050405020304" pitchFamily="18" charset="0"/>
               </a:rPr>
               <a:t> </a:t>
             </a:r>
             <a:r>
-              <a:rPr lang="da-DK" sz="2400" dirty="0" err="1">
+              <a:rPr lang="da-DK" sz="2000" dirty="0" err="1">
                 <a:latin typeface="Times New Roman" panose="02020603050405020304" pitchFamily="18" charset="0"/>
                 <a:cs typeface="Times New Roman" panose="02020603050405020304" pitchFamily="18" charset="0"/>
               </a:rPr>
               <a:t>duration</a:t>
             </a:r>
             <a:r>
-              <a:rPr lang="da-DK" sz="2400" dirty="0">
+              <a:rPr lang="da-DK" sz="2000" dirty="0">
                 <a:latin typeface="Times New Roman" panose="02020603050405020304" pitchFamily="18" charset="0"/>
                 <a:cs typeface="Times New Roman" panose="02020603050405020304" pitchFamily="18" charset="0"/>
               </a:rPr>
               <a:t> </a:t>
             </a:r>
             <a:r>
-              <a:rPr lang="da-DK" sz="2400" dirty="0" err="1">
+              <a:rPr lang="da-DK" sz="2000" dirty="0" err="1">
                 <a:latin typeface="Times New Roman" panose="02020603050405020304" pitchFamily="18" charset="0"/>
                 <a:cs typeface="Times New Roman" panose="02020603050405020304" pitchFamily="18" charset="0"/>
               </a:rPr>
               <a:t>varies</a:t>
             </a:r>
             <a:r>
-              <a:rPr lang="da-DK" sz="2400" dirty="0">
+              <a:rPr lang="da-DK" sz="2000" dirty="0">
                 <a:latin typeface="Times New Roman" panose="02020603050405020304" pitchFamily="18" charset="0"/>
                 <a:cs typeface="Times New Roman" panose="02020603050405020304" pitchFamily="18" charset="0"/>
               </a:rPr>
               <a:t> from </a:t>
             </a:r>
             <a:r>
-              <a:rPr lang="da-DK" sz="2400" dirty="0" err="1">
+              <a:rPr lang="da-DK" sz="2000" dirty="0" err="1">
                 <a:latin typeface="Times New Roman" panose="02020603050405020304" pitchFamily="18" charset="0"/>
                 <a:cs typeface="Times New Roman" panose="02020603050405020304" pitchFamily="18" charset="0"/>
               </a:rPr>
               <a:t>roughly</a:t>
             </a:r>
             <a:r>
-              <a:rPr lang="da-DK" sz="2400" dirty="0">
+              <a:rPr lang="da-DK" sz="2000" dirty="0">
                 <a:latin typeface="Times New Roman" panose="02020603050405020304" pitchFamily="18" charset="0"/>
                 <a:cs typeface="Times New Roman" panose="02020603050405020304" pitchFamily="18" charset="0"/>
               </a:rPr>
               <a:t> </a:t>
             </a:r>
             <a:r>
-              <a:rPr lang="da-DK" sz="2400" b="1" dirty="0">
+              <a:rPr lang="da-DK" sz="2000" b="1" dirty="0">
                 <a:latin typeface="Times New Roman" panose="02020603050405020304" pitchFamily="18" charset="0"/>
                 <a:cs typeface="Times New Roman" panose="02020603050405020304" pitchFamily="18" charset="0"/>
               </a:rPr>
               <a:t>5-120 </a:t>
             </a:r>
             <a:r>
-              <a:rPr lang="da-DK" sz="2400" b="1" dirty="0" err="1">
+              <a:rPr lang="da-DK" sz="2000" b="1" dirty="0" err="1">
                 <a:latin typeface="Times New Roman" panose="02020603050405020304" pitchFamily="18" charset="0"/>
                 <a:cs typeface="Times New Roman" panose="02020603050405020304" pitchFamily="18" charset="0"/>
               </a:rPr>
               <a:t>seconds</a:t>
             </a:r>
             <a:r>
-              <a:rPr lang="da-DK" sz="2400" b="1" dirty="0">
+              <a:rPr lang="da-DK" sz="2000" b="1" dirty="0">
                 <a:latin typeface="Times New Roman" panose="02020603050405020304" pitchFamily="18" charset="0"/>
                 <a:cs typeface="Times New Roman" panose="02020603050405020304" pitchFamily="18" charset="0"/>
               </a:rPr>
               <a:t>  </a:t>
             </a:r>
             <a:r>
-              <a:rPr lang="da-DK" sz="2400" dirty="0">
+              <a:rPr lang="da-DK" sz="2000" dirty="0">
                 <a:highlight>
                   <a:srgbClr val="FFFF00"/>
                 </a:highlight>
@@ -4450,91 +4470,91 @@
             </a:r>
           </a:p>
           <a:p>
-            <a:endParaRPr lang="da-DK" sz="2400" b="1" dirty="0">
+            <a:endParaRPr lang="da-DK" sz="2000" b="1" dirty="0">
               <a:latin typeface="Times New Roman" panose="02020603050405020304" pitchFamily="18" charset="0"/>
               <a:cs typeface="Times New Roman" panose="02020603050405020304" pitchFamily="18" charset="0"/>
             </a:endParaRPr>
           </a:p>
           <a:p>
             <a:r>
-              <a:rPr lang="da-DK" sz="2400" dirty="0" err="1">
+              <a:rPr lang="da-DK" sz="2000" dirty="0" err="1">
                 <a:latin typeface="Times New Roman" panose="02020603050405020304" pitchFamily="18" charset="0"/>
                 <a:cs typeface="Times New Roman" panose="02020603050405020304" pitchFamily="18" charset="0"/>
               </a:rPr>
               <a:t>Some</a:t>
             </a:r>
             <a:r>
-              <a:rPr lang="da-DK" sz="2400" dirty="0">
+              <a:rPr lang="da-DK" sz="2000" dirty="0">
                 <a:latin typeface="Times New Roman" panose="02020603050405020304" pitchFamily="18" charset="0"/>
                 <a:cs typeface="Times New Roman" panose="02020603050405020304" pitchFamily="18" charset="0"/>
               </a:rPr>
               <a:t> .</a:t>
             </a:r>
             <a:r>
-              <a:rPr lang="da-DK" sz="2400" dirty="0" err="1">
+              <a:rPr lang="da-DK" sz="2000" dirty="0" err="1">
                 <a:latin typeface="Times New Roman" panose="02020603050405020304" pitchFamily="18" charset="0"/>
                 <a:cs typeface="Times New Roman" panose="02020603050405020304" pitchFamily="18" charset="0"/>
               </a:rPr>
               <a:t>edf</a:t>
             </a:r>
             <a:r>
-              <a:rPr lang="da-DK" sz="2400" dirty="0">
+              <a:rPr lang="da-DK" sz="2000" dirty="0">
                 <a:latin typeface="Times New Roman" panose="02020603050405020304" pitchFamily="18" charset="0"/>
                 <a:cs typeface="Times New Roman" panose="02020603050405020304" pitchFamily="18" charset="0"/>
               </a:rPr>
               <a:t> recordings </a:t>
             </a:r>
             <a:r>
-              <a:rPr lang="da-DK" sz="2400" b="1" dirty="0" err="1">
+              <a:rPr lang="da-DK" sz="2000" b="1" dirty="0" err="1">
                 <a:latin typeface="Times New Roman" panose="02020603050405020304" pitchFamily="18" charset="0"/>
                 <a:cs typeface="Times New Roman" panose="02020603050405020304" pitchFamily="18" charset="0"/>
               </a:rPr>
               <a:t>contain</a:t>
             </a:r>
             <a:r>
-              <a:rPr lang="da-DK" sz="2400" b="1" dirty="0">
+              <a:rPr lang="da-DK" sz="2000" b="1" dirty="0">
                 <a:latin typeface="Times New Roman" panose="02020603050405020304" pitchFamily="18" charset="0"/>
                 <a:cs typeface="Times New Roman" panose="02020603050405020304" pitchFamily="18" charset="0"/>
               </a:rPr>
               <a:t> more </a:t>
             </a:r>
             <a:r>
-              <a:rPr lang="da-DK" sz="2400" b="1" dirty="0" err="1">
+              <a:rPr lang="da-DK" sz="2000" b="1" dirty="0" err="1">
                 <a:latin typeface="Times New Roman" panose="02020603050405020304" pitchFamily="18" charset="0"/>
                 <a:cs typeface="Times New Roman" panose="02020603050405020304" pitchFamily="18" charset="0"/>
               </a:rPr>
               <a:t>than</a:t>
             </a:r>
             <a:r>
-              <a:rPr lang="da-DK" sz="2400" b="1" dirty="0">
+              <a:rPr lang="da-DK" sz="2000" b="1" dirty="0">
                 <a:latin typeface="Times New Roman" panose="02020603050405020304" pitchFamily="18" charset="0"/>
                 <a:cs typeface="Times New Roman" panose="02020603050405020304" pitchFamily="18" charset="0"/>
               </a:rPr>
               <a:t> </a:t>
             </a:r>
             <a:r>
-              <a:rPr lang="da-DK" sz="2400" b="1" dirty="0" err="1">
+              <a:rPr lang="da-DK" sz="2000" b="1" dirty="0" err="1">
                 <a:latin typeface="Times New Roman" panose="02020603050405020304" pitchFamily="18" charset="0"/>
                 <a:cs typeface="Times New Roman" panose="02020603050405020304" pitchFamily="18" charset="0"/>
               </a:rPr>
               <a:t>one</a:t>
             </a:r>
             <a:r>
-              <a:rPr lang="da-DK" sz="2400" b="1" dirty="0">
+              <a:rPr lang="da-DK" sz="2000" b="1" dirty="0">
                 <a:latin typeface="Times New Roman" panose="02020603050405020304" pitchFamily="18" charset="0"/>
                 <a:cs typeface="Times New Roman" panose="02020603050405020304" pitchFamily="18" charset="0"/>
               </a:rPr>
               <a:t> </a:t>
             </a:r>
             <a:r>
-              <a:rPr lang="da-DK" sz="2400" b="1" dirty="0" err="1">
+              <a:rPr lang="da-DK" sz="2000" b="1" dirty="0" err="1">
                 <a:latin typeface="Times New Roman" panose="02020603050405020304" pitchFamily="18" charset="0"/>
                 <a:cs typeface="Times New Roman" panose="02020603050405020304" pitchFamily="18" charset="0"/>
               </a:rPr>
               <a:t>seizure</a:t>
             </a:r>
             <a:r>
-              <a:rPr lang="da-DK" sz="2400" b="1" dirty="0">
+              <a:rPr lang="da-DK" sz="2000" b="1" dirty="0">
                 <a:latin typeface="Times New Roman" panose="02020603050405020304" pitchFamily="18" charset="0"/>
                 <a:cs typeface="Times New Roman" panose="02020603050405020304" pitchFamily="18" charset="0"/>
               </a:rPr>
@@ -4577,8 +4597,8 @@
         </p:blipFill>
         <p:spPr>
           <a:xfrm>
-            <a:off x="8612659" y="4239806"/>
-            <a:ext cx="3296822" cy="1937157"/>
+            <a:off x="7729790" y="185408"/>
+            <a:ext cx="4120462" cy="2421114"/>
           </a:xfrm>
           <a:prstGeom prst="rect">
             <a:avLst/>
@@ -4587,10 +4607,10 @@
       </p:pic>
       <p:pic>
         <p:nvPicPr>
-          <p:cNvPr id="13" name="Billede 12">
-            <a:extLst>
-              <a:ext uri="{FF2B5EF4-FFF2-40B4-BE49-F238E27FC236}">
-                <a16:creationId xmlns:a16="http://schemas.microsoft.com/office/drawing/2014/main" id="{0D4B6854-7C24-0643-D2B6-A103655CB964}"/>
+          <p:cNvPr id="3" name="Billede 2">
+            <a:extLst>
+              <a:ext uri="{FF2B5EF4-FFF2-40B4-BE49-F238E27FC236}">
+                <a16:creationId xmlns:a16="http://schemas.microsoft.com/office/drawing/2014/main" id="{8F32AF42-6CE1-735F-FF9E-221CEC2E705A}"/>
               </a:ext>
             </a:extLst>
           </p:cNvPr>
@@ -4607,8 +4627,8 @@
         </p:blipFill>
         <p:spPr>
           <a:xfrm>
-            <a:off x="7512660" y="90444"/>
-            <a:ext cx="4396821" cy="2471351"/>
+            <a:off x="5996302" y="5022626"/>
+            <a:ext cx="6120388" cy="1767495"/>
           </a:xfrm>
           <a:prstGeom prst="rect">
             <a:avLst/>
@@ -4619,6 +4639,123 @@
     <p:extLst>
       <p:ext uri="{BB962C8B-B14F-4D97-AF65-F5344CB8AC3E}">
         <p14:creationId xmlns:p14="http://schemas.microsoft.com/office/powerpoint/2010/main" val="1303371390"/>
+      </p:ext>
+    </p:extLst>
+  </p:cSld>
+  <p:clrMapOvr>
+    <a:masterClrMapping/>
+  </p:clrMapOvr>
+</p:sld>
+</file>
+
+<file path=ppt/slides/slide4.xml><?xml version="1.0" encoding="utf-8"?>
+<p:sld xmlns:a="http://schemas.openxmlformats.org/drawingml/2006/main" xmlns:r="http://schemas.openxmlformats.org/officeDocument/2006/relationships" xmlns:p="http://schemas.openxmlformats.org/presentationml/2006/main">
+  <p:cSld>
+    <p:spTree>
+      <p:nvGrpSpPr>
+        <p:cNvPr id="1" name=""/>
+        <p:cNvGrpSpPr/>
+        <p:nvPr/>
+      </p:nvGrpSpPr>
+      <p:grpSpPr>
+        <a:xfrm>
+          <a:off x="0" y="0"/>
+          <a:ext cx="0" cy="0"/>
+          <a:chOff x="0" y="0"/>
+          <a:chExt cx="0" cy="0"/>
+        </a:xfrm>
+      </p:grpSpPr>
+      <p:sp>
+        <p:nvSpPr>
+          <p:cNvPr id="2" name="Titel 1">
+            <a:extLst>
+              <a:ext uri="{FF2B5EF4-FFF2-40B4-BE49-F238E27FC236}">
+                <a16:creationId xmlns:a16="http://schemas.microsoft.com/office/drawing/2014/main" id="{A98D0EED-A41E-1BEC-1F0C-F3F4EEDFED50}"/>
+              </a:ext>
+            </a:extLst>
+          </p:cNvPr>
+          <p:cNvSpPr>
+            <a:spLocks noGrp="1"/>
+          </p:cNvSpPr>
+          <p:nvPr>
+            <p:ph type="title"/>
+          </p:nvPr>
+        </p:nvSpPr>
+        <p:spPr/>
+        <p:txBody>
+          <a:bodyPr/>
+          <a:lstStyle/>
+          <a:p>
+            <a:endParaRPr lang="da-DK"/>
+          </a:p>
+        </p:txBody>
+      </p:sp>
+      <p:pic>
+        <p:nvPicPr>
+          <p:cNvPr id="4" name="Pladsholder til indhold 3">
+            <a:extLst>
+              <a:ext uri="{FF2B5EF4-FFF2-40B4-BE49-F238E27FC236}">
+                <a16:creationId xmlns:a16="http://schemas.microsoft.com/office/drawing/2014/main" id="{0F6FB3AF-125D-ACE5-19CB-E279AFCF46B2}"/>
+              </a:ext>
+            </a:extLst>
+          </p:cNvPr>
+          <p:cNvPicPr>
+            <a:picLocks noGrp="1" noChangeAspect="1"/>
+          </p:cNvPicPr>
+          <p:nvPr>
+            <p:ph idx="1"/>
+          </p:nvPr>
+        </p:nvPicPr>
+        <p:blipFill>
+          <a:blip r:embed="rId2"/>
+          <a:stretch>
+            <a:fillRect/>
+          </a:stretch>
+        </p:blipFill>
+        <p:spPr>
+          <a:xfrm>
+            <a:off x="838200" y="336395"/>
+            <a:ext cx="10515600" cy="2946070"/>
+          </a:xfrm>
+          <a:prstGeom prst="rect">
+            <a:avLst/>
+          </a:prstGeom>
+        </p:spPr>
+      </p:pic>
+      <p:pic>
+        <p:nvPicPr>
+          <p:cNvPr id="5" name="Billede 4">
+            <a:extLst>
+              <a:ext uri="{FF2B5EF4-FFF2-40B4-BE49-F238E27FC236}">
+                <a16:creationId xmlns:a16="http://schemas.microsoft.com/office/drawing/2014/main" id="{6D2057E5-11F5-7E62-2A86-BE8F2D110CF5}"/>
+              </a:ext>
+            </a:extLst>
+          </p:cNvPr>
+          <p:cNvPicPr>
+            <a:picLocks noChangeAspect="1"/>
+          </p:cNvPicPr>
+          <p:nvPr/>
+        </p:nvPicPr>
+        <p:blipFill>
+          <a:blip r:embed="rId3"/>
+          <a:stretch>
+            <a:fillRect/>
+          </a:stretch>
+        </p:blipFill>
+        <p:spPr>
+          <a:xfrm>
+            <a:off x="1126071" y="3325171"/>
+            <a:ext cx="10227729" cy="2851566"/>
+          </a:xfrm>
+          <a:prstGeom prst="rect">
+            <a:avLst/>
+          </a:prstGeom>
+        </p:spPr>
+      </p:pic>
+    </p:spTree>
+    <p:extLst>
+      <p:ext uri="{BB962C8B-B14F-4D97-AF65-F5344CB8AC3E}">
+        <p14:creationId xmlns:p14="http://schemas.microsoft.com/office/powerpoint/2010/main" val="1364556735"/>
       </p:ext>
     </p:extLst>
   </p:cSld>
